--- a/Capstone_final.pptx
+++ b/Capstone_final.pptx
@@ -130,6 +130,11 @@
       </a:defRPr>
     </a:lvl9pPr>
   </p:defaultTextStyle>
+  <p:extLst>
+    <p:ext uri="{EFAFB233-063F-42B5-8137-9DF3F51BA10A}">
+      <p15:sldGuideLst xmlns:p15="http://schemas.microsoft.com/office/powerpoint/2012/main"/>
+    </p:ext>
+  </p:extLst>
 </p:presentation>
 </file>
 
@@ -280,7 +285,7 @@
           <a:p>
             <a:fld id="{1ED26B33-114F-4B56-B5A7-7962129042A8}" type="datetimeFigureOut">
               <a:rPr lang="en-US" smtClean="0"/>
-              <a:t>5/12/2020</a:t>
+              <a:t>5/15/2020</a:t>
             </a:fld>
             <a:endParaRPr lang="en-US"/>
           </a:p>
@@ -478,7 +483,7 @@
           <a:p>
             <a:fld id="{1ED26B33-114F-4B56-B5A7-7962129042A8}" type="datetimeFigureOut">
               <a:rPr lang="en-US" smtClean="0"/>
-              <a:t>5/12/2020</a:t>
+              <a:t>5/15/2020</a:t>
             </a:fld>
             <a:endParaRPr lang="en-US"/>
           </a:p>
@@ -686,7 +691,7 @@
           <a:p>
             <a:fld id="{1ED26B33-114F-4B56-B5A7-7962129042A8}" type="datetimeFigureOut">
               <a:rPr lang="en-US" smtClean="0"/>
-              <a:t>5/12/2020</a:t>
+              <a:t>5/15/2020</a:t>
             </a:fld>
             <a:endParaRPr lang="en-US"/>
           </a:p>
@@ -884,7 +889,7 @@
           <a:p>
             <a:fld id="{1ED26B33-114F-4B56-B5A7-7962129042A8}" type="datetimeFigureOut">
               <a:rPr lang="en-US" smtClean="0"/>
-              <a:t>5/12/2020</a:t>
+              <a:t>5/15/2020</a:t>
             </a:fld>
             <a:endParaRPr lang="en-US"/>
           </a:p>
@@ -1159,7 +1164,7 @@
           <a:p>
             <a:fld id="{1ED26B33-114F-4B56-B5A7-7962129042A8}" type="datetimeFigureOut">
               <a:rPr lang="en-US" smtClean="0"/>
-              <a:t>5/12/2020</a:t>
+              <a:t>5/15/2020</a:t>
             </a:fld>
             <a:endParaRPr lang="en-US"/>
           </a:p>
@@ -1424,7 +1429,7 @@
           <a:p>
             <a:fld id="{1ED26B33-114F-4B56-B5A7-7962129042A8}" type="datetimeFigureOut">
               <a:rPr lang="en-US" smtClean="0"/>
-              <a:t>5/12/2020</a:t>
+              <a:t>5/15/2020</a:t>
             </a:fld>
             <a:endParaRPr lang="en-US"/>
           </a:p>
@@ -1836,7 +1841,7 @@
           <a:p>
             <a:fld id="{1ED26B33-114F-4B56-B5A7-7962129042A8}" type="datetimeFigureOut">
               <a:rPr lang="en-US" smtClean="0"/>
-              <a:t>5/12/2020</a:t>
+              <a:t>5/15/2020</a:t>
             </a:fld>
             <a:endParaRPr lang="en-US"/>
           </a:p>
@@ -1977,7 +1982,7 @@
           <a:p>
             <a:fld id="{1ED26B33-114F-4B56-B5A7-7962129042A8}" type="datetimeFigureOut">
               <a:rPr lang="en-US" smtClean="0"/>
-              <a:t>5/12/2020</a:t>
+              <a:t>5/15/2020</a:t>
             </a:fld>
             <a:endParaRPr lang="en-US"/>
           </a:p>
@@ -2090,7 +2095,7 @@
           <a:p>
             <a:fld id="{1ED26B33-114F-4B56-B5A7-7962129042A8}" type="datetimeFigureOut">
               <a:rPr lang="en-US" smtClean="0"/>
-              <a:t>5/12/2020</a:t>
+              <a:t>5/15/2020</a:t>
             </a:fld>
             <a:endParaRPr lang="en-US"/>
           </a:p>
@@ -2401,7 +2406,7 @@
           <a:p>
             <a:fld id="{1ED26B33-114F-4B56-B5A7-7962129042A8}" type="datetimeFigureOut">
               <a:rPr lang="en-US" smtClean="0"/>
-              <a:t>5/12/2020</a:t>
+              <a:t>5/15/2020</a:t>
             </a:fld>
             <a:endParaRPr lang="en-US"/>
           </a:p>
@@ -2689,7 +2694,7 @@
           <a:p>
             <a:fld id="{1ED26B33-114F-4B56-B5A7-7962129042A8}" type="datetimeFigureOut">
               <a:rPr lang="en-US" smtClean="0"/>
-              <a:t>5/12/2020</a:t>
+              <a:t>5/15/2020</a:t>
             </a:fld>
             <a:endParaRPr lang="en-US"/>
           </a:p>
@@ -2930,7 +2935,7 @@
           <a:p>
             <a:fld id="{1ED26B33-114F-4B56-B5A7-7962129042A8}" type="datetimeFigureOut">
               <a:rPr lang="en-US" smtClean="0"/>
-              <a:t>5/12/2020</a:t>
+              <a:t>5/15/2020</a:t>
             </a:fld>
             <a:endParaRPr lang="en-US"/>
           </a:p>
@@ -3975,7 +3980,7 @@
               <a:buFont typeface="Arial" panose="020B0604020202020204" pitchFamily="34" charset="0"/>
               <a:buChar char="•"/>
             </a:pPr>
-            <a:endParaRPr lang="en-US">
+            <a:endParaRPr lang="en-US" dirty="0">
               <a:effectLst/>
             </a:endParaRPr>
           </a:p>
@@ -3985,12 +3990,12 @@
               <a:buChar char="•"/>
             </a:pPr>
             <a:r>
-              <a:rPr lang="en-US" dirty="0">
+              <a:rPr lang="en-US">
                 <a:effectLst/>
               </a:rPr>
-              <a:t>Sergei Rastompakhov</a:t>
-            </a:r>
-            <a:endParaRPr lang="en-US">
+              <a:t>SR</a:t>
+            </a:r>
+            <a:endParaRPr lang="en-US" dirty="0">
               <a:effectLst/>
             </a:endParaRPr>
           </a:p>
@@ -4005,16 +4010,13 @@
               </a:rPr>
               <a:t>Rome, Italy</a:t>
             </a:r>
-            <a:endParaRPr lang="en-US">
-              <a:effectLst/>
-            </a:endParaRPr>
           </a:p>
           <a:p>
             <a:pPr indent="-228600" algn="l">
               <a:buFont typeface="Arial" panose="020B0604020202020204" pitchFamily="34" charset="0"/>
               <a:buChar char="•"/>
             </a:pPr>
-            <a:endParaRPr lang="en-US"/>
+            <a:endParaRPr lang="en-US" dirty="0"/>
           </a:p>
         </p:txBody>
       </p:sp>
